--- a/ppt 16-9/1400.主来的日子近.pptx
+++ b/ppt 16-9/1400.主来的日子近.pptx
@@ -129,7 +129,7 @@
           <p:cNvPr id="2" name="标题 1">
             <a:extLst>
               <a:ext uri="{FF2B5EF4-FFF2-40B4-BE49-F238E27FC236}">
-                <a16:creationId xmlns:a16="http://schemas.microsoft.com/office/drawing/2014/main" id="{B5383159-ADE5-9684-7186-4D51D73E874D}"/>
+                <a16:creationId xmlns:a16="http://schemas.microsoft.com/office/drawing/2014/main" id="{E90A4C30-B471-7CDB-6BC7-43DE6357A77C}"/>
               </a:ext>
             </a:extLst>
           </p:cNvPr>
@@ -166,7 +166,7 @@
           <p:cNvPr id="3" name="副标题 2">
             <a:extLst>
               <a:ext uri="{FF2B5EF4-FFF2-40B4-BE49-F238E27FC236}">
-                <a16:creationId xmlns:a16="http://schemas.microsoft.com/office/drawing/2014/main" id="{53A1D602-DC82-D507-A47C-76A7B81D7A1B}"/>
+                <a16:creationId xmlns:a16="http://schemas.microsoft.com/office/drawing/2014/main" id="{ADBF1F93-C9BE-56AE-F92A-6B021154A565}"/>
               </a:ext>
             </a:extLst>
           </p:cNvPr>
@@ -236,7 +236,7 @@
           <p:cNvPr id="4" name="日期占位符 3">
             <a:extLst>
               <a:ext uri="{FF2B5EF4-FFF2-40B4-BE49-F238E27FC236}">
-                <a16:creationId xmlns:a16="http://schemas.microsoft.com/office/drawing/2014/main" id="{B6265C52-BF8F-B92A-9C15-F266FBCC5B49}"/>
+                <a16:creationId xmlns:a16="http://schemas.microsoft.com/office/drawing/2014/main" id="{6FAF0864-B690-32EC-7664-F93FB79AEFEC}"/>
               </a:ext>
             </a:extLst>
           </p:cNvPr>
@@ -252,7 +252,7 @@
           <a:bodyPr/>
           <a:lstStyle/>
           <a:p>
-            <a:fld id="{356CADD4-34E9-430F-A995-6A6DB92BFC95}" type="datetimeFigureOut">
+            <a:fld id="{60F9390E-FCB4-42AC-8419-A04C98031D82}" type="datetimeFigureOut">
               <a:rPr lang="zh-CN" altLang="en-US" smtClean="0"/>
               <a:t>2024/3/10</a:t>
             </a:fld>
@@ -265,7 +265,7 @@
           <p:cNvPr id="5" name="页脚占位符 4">
             <a:extLst>
               <a:ext uri="{FF2B5EF4-FFF2-40B4-BE49-F238E27FC236}">
-                <a16:creationId xmlns:a16="http://schemas.microsoft.com/office/drawing/2014/main" id="{7C2C4E8E-C979-1A9F-B5CE-523066030BF5}"/>
+                <a16:creationId xmlns:a16="http://schemas.microsoft.com/office/drawing/2014/main" id="{BBFF9F51-B6C0-38AD-C0F3-AB3F2E3EAD38}"/>
               </a:ext>
             </a:extLst>
           </p:cNvPr>
@@ -290,7 +290,7 @@
           <p:cNvPr id="6" name="灯片编号占位符 5">
             <a:extLst>
               <a:ext uri="{FF2B5EF4-FFF2-40B4-BE49-F238E27FC236}">
-                <a16:creationId xmlns:a16="http://schemas.microsoft.com/office/drawing/2014/main" id="{E81C970D-84F7-DE22-90DE-78B51AE92FA6}"/>
+                <a16:creationId xmlns:a16="http://schemas.microsoft.com/office/drawing/2014/main" id="{0348F004-A81E-0BB9-9309-A946722FCBB2}"/>
               </a:ext>
             </a:extLst>
           </p:cNvPr>
@@ -306,7 +306,7 @@
           <a:bodyPr/>
           <a:lstStyle/>
           <a:p>
-            <a:fld id="{5484594A-D39F-41AD-B4B8-14CB10DCB5D3}" type="slidenum">
+            <a:fld id="{224BFAC7-F403-4C03-A7D3-FA1B28F868FC}" type="slidenum">
               <a:rPr lang="zh-CN" altLang="en-US" smtClean="0"/>
               <a:t>‹#›</a:t>
             </a:fld>
@@ -317,7 +317,7 @@
     </p:spTree>
     <p:extLst>
       <p:ext uri="{BB962C8B-B14F-4D97-AF65-F5344CB8AC3E}">
-        <p14:creationId xmlns:p14="http://schemas.microsoft.com/office/powerpoint/2010/main" val="425990856"/>
+        <p14:creationId xmlns:p14="http://schemas.microsoft.com/office/powerpoint/2010/main" val="4090627651"/>
       </p:ext>
     </p:extLst>
   </p:cSld>
@@ -349,7 +349,7 @@
           <p:cNvPr id="2" name="标题 1">
             <a:extLst>
               <a:ext uri="{FF2B5EF4-FFF2-40B4-BE49-F238E27FC236}">
-                <a16:creationId xmlns:a16="http://schemas.microsoft.com/office/drawing/2014/main" id="{B18B9BE7-8C24-EA66-87AE-693597685388}"/>
+                <a16:creationId xmlns:a16="http://schemas.microsoft.com/office/drawing/2014/main" id="{BC75E805-E072-6675-71AE-80A4C77F1806}"/>
               </a:ext>
             </a:extLst>
           </p:cNvPr>
@@ -377,7 +377,7 @@
           <p:cNvPr id="3" name="竖排文字占位符 2">
             <a:extLst>
               <a:ext uri="{FF2B5EF4-FFF2-40B4-BE49-F238E27FC236}">
-                <a16:creationId xmlns:a16="http://schemas.microsoft.com/office/drawing/2014/main" id="{FE93E86F-B1CE-C574-9BB4-C3BB9A0D6545}"/>
+                <a16:creationId xmlns:a16="http://schemas.microsoft.com/office/drawing/2014/main" id="{D6FBE8DA-7A0F-C30A-2D69-7C135E30647F}"/>
               </a:ext>
             </a:extLst>
           </p:cNvPr>
@@ -434,7 +434,7 @@
           <p:cNvPr id="4" name="日期占位符 3">
             <a:extLst>
               <a:ext uri="{FF2B5EF4-FFF2-40B4-BE49-F238E27FC236}">
-                <a16:creationId xmlns:a16="http://schemas.microsoft.com/office/drawing/2014/main" id="{3BA94081-148D-4ABB-93B9-FF6F3E9A3045}"/>
+                <a16:creationId xmlns:a16="http://schemas.microsoft.com/office/drawing/2014/main" id="{A89CF899-4051-097E-F31A-E7FC150A129E}"/>
               </a:ext>
             </a:extLst>
           </p:cNvPr>
@@ -450,7 +450,7 @@
           <a:bodyPr/>
           <a:lstStyle/>
           <a:p>
-            <a:fld id="{356CADD4-34E9-430F-A995-6A6DB92BFC95}" type="datetimeFigureOut">
+            <a:fld id="{60F9390E-FCB4-42AC-8419-A04C98031D82}" type="datetimeFigureOut">
               <a:rPr lang="zh-CN" altLang="en-US" smtClean="0"/>
               <a:t>2024/3/10</a:t>
             </a:fld>
@@ -463,7 +463,7 @@
           <p:cNvPr id="5" name="页脚占位符 4">
             <a:extLst>
               <a:ext uri="{FF2B5EF4-FFF2-40B4-BE49-F238E27FC236}">
-                <a16:creationId xmlns:a16="http://schemas.microsoft.com/office/drawing/2014/main" id="{4126359A-E28B-94C0-5A22-2199A20A4D6A}"/>
+                <a16:creationId xmlns:a16="http://schemas.microsoft.com/office/drawing/2014/main" id="{399B0187-D944-FDE2-29A0-682691063DAC}"/>
               </a:ext>
             </a:extLst>
           </p:cNvPr>
@@ -488,7 +488,7 @@
           <p:cNvPr id="6" name="灯片编号占位符 5">
             <a:extLst>
               <a:ext uri="{FF2B5EF4-FFF2-40B4-BE49-F238E27FC236}">
-                <a16:creationId xmlns:a16="http://schemas.microsoft.com/office/drawing/2014/main" id="{A75EC56E-3B60-1978-662B-FCA1D52399BB}"/>
+                <a16:creationId xmlns:a16="http://schemas.microsoft.com/office/drawing/2014/main" id="{34045A4D-F6EF-CCF8-2D08-47F19F08D6B7}"/>
               </a:ext>
             </a:extLst>
           </p:cNvPr>
@@ -504,7 +504,7 @@
           <a:bodyPr/>
           <a:lstStyle/>
           <a:p>
-            <a:fld id="{5484594A-D39F-41AD-B4B8-14CB10DCB5D3}" type="slidenum">
+            <a:fld id="{224BFAC7-F403-4C03-A7D3-FA1B28F868FC}" type="slidenum">
               <a:rPr lang="zh-CN" altLang="en-US" smtClean="0"/>
               <a:t>‹#›</a:t>
             </a:fld>
@@ -515,7 +515,7 @@
     </p:spTree>
     <p:extLst>
       <p:ext uri="{BB962C8B-B14F-4D97-AF65-F5344CB8AC3E}">
-        <p14:creationId xmlns:p14="http://schemas.microsoft.com/office/powerpoint/2010/main" val="2333803565"/>
+        <p14:creationId xmlns:p14="http://schemas.microsoft.com/office/powerpoint/2010/main" val="1368615566"/>
       </p:ext>
     </p:extLst>
   </p:cSld>
@@ -547,7 +547,7 @@
           <p:cNvPr id="2" name="竖排标题 1">
             <a:extLst>
               <a:ext uri="{FF2B5EF4-FFF2-40B4-BE49-F238E27FC236}">
-                <a16:creationId xmlns:a16="http://schemas.microsoft.com/office/drawing/2014/main" id="{BADDBA50-2B4C-7694-10C0-04438DD7DAC2}"/>
+                <a16:creationId xmlns:a16="http://schemas.microsoft.com/office/drawing/2014/main" id="{0AB2C91A-E495-7955-CC53-ED2CD9DB7E8C}"/>
               </a:ext>
             </a:extLst>
           </p:cNvPr>
@@ -580,7 +580,7 @@
           <p:cNvPr id="3" name="竖排文字占位符 2">
             <a:extLst>
               <a:ext uri="{FF2B5EF4-FFF2-40B4-BE49-F238E27FC236}">
-                <a16:creationId xmlns:a16="http://schemas.microsoft.com/office/drawing/2014/main" id="{43B5DA59-AF95-B4C1-B952-A1374D5B820B}"/>
+                <a16:creationId xmlns:a16="http://schemas.microsoft.com/office/drawing/2014/main" id="{F3BA126A-B1EB-EF36-96EA-F337A70CA213}"/>
               </a:ext>
             </a:extLst>
           </p:cNvPr>
@@ -642,7 +642,7 @@
           <p:cNvPr id="4" name="日期占位符 3">
             <a:extLst>
               <a:ext uri="{FF2B5EF4-FFF2-40B4-BE49-F238E27FC236}">
-                <a16:creationId xmlns:a16="http://schemas.microsoft.com/office/drawing/2014/main" id="{AC5D3B10-571A-9AE8-8640-1BEABABD3AD4}"/>
+                <a16:creationId xmlns:a16="http://schemas.microsoft.com/office/drawing/2014/main" id="{20DC6CDD-3F07-A89E-F6E6-2F90070C69B9}"/>
               </a:ext>
             </a:extLst>
           </p:cNvPr>
@@ -658,7 +658,7 @@
           <a:bodyPr/>
           <a:lstStyle/>
           <a:p>
-            <a:fld id="{356CADD4-34E9-430F-A995-6A6DB92BFC95}" type="datetimeFigureOut">
+            <a:fld id="{60F9390E-FCB4-42AC-8419-A04C98031D82}" type="datetimeFigureOut">
               <a:rPr lang="zh-CN" altLang="en-US" smtClean="0"/>
               <a:t>2024/3/10</a:t>
             </a:fld>
@@ -671,7 +671,7 @@
           <p:cNvPr id="5" name="页脚占位符 4">
             <a:extLst>
               <a:ext uri="{FF2B5EF4-FFF2-40B4-BE49-F238E27FC236}">
-                <a16:creationId xmlns:a16="http://schemas.microsoft.com/office/drawing/2014/main" id="{4B81CC7C-8C63-5928-6CEB-B917B2099AEF}"/>
+                <a16:creationId xmlns:a16="http://schemas.microsoft.com/office/drawing/2014/main" id="{CC31150D-ABEA-51AD-A23B-F2CD76774FC7}"/>
               </a:ext>
             </a:extLst>
           </p:cNvPr>
@@ -696,7 +696,7 @@
           <p:cNvPr id="6" name="灯片编号占位符 5">
             <a:extLst>
               <a:ext uri="{FF2B5EF4-FFF2-40B4-BE49-F238E27FC236}">
-                <a16:creationId xmlns:a16="http://schemas.microsoft.com/office/drawing/2014/main" id="{A62E0E0D-AD80-85F9-3497-105CBBB94277}"/>
+                <a16:creationId xmlns:a16="http://schemas.microsoft.com/office/drawing/2014/main" id="{62E02235-19FD-E33D-0A6E-0AEF26F1AC79}"/>
               </a:ext>
             </a:extLst>
           </p:cNvPr>
@@ -712,7 +712,7 @@
           <a:bodyPr/>
           <a:lstStyle/>
           <a:p>
-            <a:fld id="{5484594A-D39F-41AD-B4B8-14CB10DCB5D3}" type="slidenum">
+            <a:fld id="{224BFAC7-F403-4C03-A7D3-FA1B28F868FC}" type="slidenum">
               <a:rPr lang="zh-CN" altLang="en-US" smtClean="0"/>
               <a:t>‹#›</a:t>
             </a:fld>
@@ -723,7 +723,7 @@
     </p:spTree>
     <p:extLst>
       <p:ext uri="{BB962C8B-B14F-4D97-AF65-F5344CB8AC3E}">
-        <p14:creationId xmlns:p14="http://schemas.microsoft.com/office/powerpoint/2010/main" val="683813874"/>
+        <p14:creationId xmlns:p14="http://schemas.microsoft.com/office/powerpoint/2010/main" val="4003199294"/>
       </p:ext>
     </p:extLst>
   </p:cSld>
@@ -755,7 +755,7 @@
           <p:cNvPr id="2" name="标题 1">
             <a:extLst>
               <a:ext uri="{FF2B5EF4-FFF2-40B4-BE49-F238E27FC236}">
-                <a16:creationId xmlns:a16="http://schemas.microsoft.com/office/drawing/2014/main" id="{29CC082C-B49F-05E0-7CF4-9C52B944DCC1}"/>
+                <a16:creationId xmlns:a16="http://schemas.microsoft.com/office/drawing/2014/main" id="{E46FA664-E621-E991-0769-EF54B0103004}"/>
               </a:ext>
             </a:extLst>
           </p:cNvPr>
@@ -783,7 +783,7 @@
           <p:cNvPr id="3" name="内容占位符 2">
             <a:extLst>
               <a:ext uri="{FF2B5EF4-FFF2-40B4-BE49-F238E27FC236}">
-                <a16:creationId xmlns:a16="http://schemas.microsoft.com/office/drawing/2014/main" id="{E3AD7125-FD6E-2122-2E09-979A51F1A111}"/>
+                <a16:creationId xmlns:a16="http://schemas.microsoft.com/office/drawing/2014/main" id="{B7DD2D37-56BE-9FE5-DD24-ECDF34883621}"/>
               </a:ext>
             </a:extLst>
           </p:cNvPr>
@@ -840,7 +840,7 @@
           <p:cNvPr id="4" name="日期占位符 3">
             <a:extLst>
               <a:ext uri="{FF2B5EF4-FFF2-40B4-BE49-F238E27FC236}">
-                <a16:creationId xmlns:a16="http://schemas.microsoft.com/office/drawing/2014/main" id="{35EA68AF-ABC5-7357-841D-E4FBDC254085}"/>
+                <a16:creationId xmlns:a16="http://schemas.microsoft.com/office/drawing/2014/main" id="{012864C1-51A8-3617-2D98-87232FD92A8A}"/>
               </a:ext>
             </a:extLst>
           </p:cNvPr>
@@ -856,7 +856,7 @@
           <a:bodyPr/>
           <a:lstStyle/>
           <a:p>
-            <a:fld id="{356CADD4-34E9-430F-A995-6A6DB92BFC95}" type="datetimeFigureOut">
+            <a:fld id="{60F9390E-FCB4-42AC-8419-A04C98031D82}" type="datetimeFigureOut">
               <a:rPr lang="zh-CN" altLang="en-US" smtClean="0"/>
               <a:t>2024/3/10</a:t>
             </a:fld>
@@ -869,7 +869,7 @@
           <p:cNvPr id="5" name="页脚占位符 4">
             <a:extLst>
               <a:ext uri="{FF2B5EF4-FFF2-40B4-BE49-F238E27FC236}">
-                <a16:creationId xmlns:a16="http://schemas.microsoft.com/office/drawing/2014/main" id="{5626AEA1-FCDB-09D3-D370-9BB7500430E8}"/>
+                <a16:creationId xmlns:a16="http://schemas.microsoft.com/office/drawing/2014/main" id="{AB02D3E3-7C93-14F5-06D5-7B6E64C8ED63}"/>
               </a:ext>
             </a:extLst>
           </p:cNvPr>
@@ -894,7 +894,7 @@
           <p:cNvPr id="6" name="灯片编号占位符 5">
             <a:extLst>
               <a:ext uri="{FF2B5EF4-FFF2-40B4-BE49-F238E27FC236}">
-                <a16:creationId xmlns:a16="http://schemas.microsoft.com/office/drawing/2014/main" id="{B64EEF42-FF4B-9170-1F60-1A9CB5F01B3D}"/>
+                <a16:creationId xmlns:a16="http://schemas.microsoft.com/office/drawing/2014/main" id="{52A0CD57-5CD9-BDEC-C871-3911ABD5E609}"/>
               </a:ext>
             </a:extLst>
           </p:cNvPr>
@@ -910,7 +910,7 @@
           <a:bodyPr/>
           <a:lstStyle/>
           <a:p>
-            <a:fld id="{5484594A-D39F-41AD-B4B8-14CB10DCB5D3}" type="slidenum">
+            <a:fld id="{224BFAC7-F403-4C03-A7D3-FA1B28F868FC}" type="slidenum">
               <a:rPr lang="zh-CN" altLang="en-US" smtClean="0"/>
               <a:t>‹#›</a:t>
             </a:fld>
@@ -921,7 +921,7 @@
     </p:spTree>
     <p:extLst>
       <p:ext uri="{BB962C8B-B14F-4D97-AF65-F5344CB8AC3E}">
-        <p14:creationId xmlns:p14="http://schemas.microsoft.com/office/powerpoint/2010/main" val="1218561511"/>
+        <p14:creationId xmlns:p14="http://schemas.microsoft.com/office/powerpoint/2010/main" val="3350512565"/>
       </p:ext>
     </p:extLst>
   </p:cSld>
@@ -953,7 +953,7 @@
           <p:cNvPr id="2" name="标题 1">
             <a:extLst>
               <a:ext uri="{FF2B5EF4-FFF2-40B4-BE49-F238E27FC236}">
-                <a16:creationId xmlns:a16="http://schemas.microsoft.com/office/drawing/2014/main" id="{EE484AF2-20CF-E749-CF61-FD9FA59E863A}"/>
+                <a16:creationId xmlns:a16="http://schemas.microsoft.com/office/drawing/2014/main" id="{8D434CF4-B122-00A5-0039-700035E1E187}"/>
               </a:ext>
             </a:extLst>
           </p:cNvPr>
@@ -990,7 +990,7 @@
           <p:cNvPr id="3" name="文本占位符 2">
             <a:extLst>
               <a:ext uri="{FF2B5EF4-FFF2-40B4-BE49-F238E27FC236}">
-                <a16:creationId xmlns:a16="http://schemas.microsoft.com/office/drawing/2014/main" id="{AE209688-DAD2-7FC5-CAD8-FE77AA3BFAFF}"/>
+                <a16:creationId xmlns:a16="http://schemas.microsoft.com/office/drawing/2014/main" id="{BCCA1D90-824A-0A3B-DE1F-3729AFDE1FE6}"/>
               </a:ext>
             </a:extLst>
           </p:cNvPr>
@@ -1115,7 +1115,7 @@
           <p:cNvPr id="4" name="日期占位符 3">
             <a:extLst>
               <a:ext uri="{FF2B5EF4-FFF2-40B4-BE49-F238E27FC236}">
-                <a16:creationId xmlns:a16="http://schemas.microsoft.com/office/drawing/2014/main" id="{E1A3BDC0-D02D-53C8-B12C-CDD8B7953D08}"/>
+                <a16:creationId xmlns:a16="http://schemas.microsoft.com/office/drawing/2014/main" id="{B30AF972-3728-73C4-E4D1-52BC39D9E79E}"/>
               </a:ext>
             </a:extLst>
           </p:cNvPr>
@@ -1131,7 +1131,7 @@
           <a:bodyPr/>
           <a:lstStyle/>
           <a:p>
-            <a:fld id="{356CADD4-34E9-430F-A995-6A6DB92BFC95}" type="datetimeFigureOut">
+            <a:fld id="{60F9390E-FCB4-42AC-8419-A04C98031D82}" type="datetimeFigureOut">
               <a:rPr lang="zh-CN" altLang="en-US" smtClean="0"/>
               <a:t>2024/3/10</a:t>
             </a:fld>
@@ -1144,7 +1144,7 @@
           <p:cNvPr id="5" name="页脚占位符 4">
             <a:extLst>
               <a:ext uri="{FF2B5EF4-FFF2-40B4-BE49-F238E27FC236}">
-                <a16:creationId xmlns:a16="http://schemas.microsoft.com/office/drawing/2014/main" id="{B8C3A758-3DE0-2BFB-BA07-B46B22285CE4}"/>
+                <a16:creationId xmlns:a16="http://schemas.microsoft.com/office/drawing/2014/main" id="{A4C2BB2C-5DE4-F9FD-002F-403C6C98FE62}"/>
               </a:ext>
             </a:extLst>
           </p:cNvPr>
@@ -1169,7 +1169,7 @@
           <p:cNvPr id="6" name="灯片编号占位符 5">
             <a:extLst>
               <a:ext uri="{FF2B5EF4-FFF2-40B4-BE49-F238E27FC236}">
-                <a16:creationId xmlns:a16="http://schemas.microsoft.com/office/drawing/2014/main" id="{17CED8CB-A15E-4DBF-62D9-827CBD24FF6C}"/>
+                <a16:creationId xmlns:a16="http://schemas.microsoft.com/office/drawing/2014/main" id="{6821C873-DAB5-A5D1-7C48-C5BC8D47BC20}"/>
               </a:ext>
             </a:extLst>
           </p:cNvPr>
@@ -1185,7 +1185,7 @@
           <a:bodyPr/>
           <a:lstStyle/>
           <a:p>
-            <a:fld id="{5484594A-D39F-41AD-B4B8-14CB10DCB5D3}" type="slidenum">
+            <a:fld id="{224BFAC7-F403-4C03-A7D3-FA1B28F868FC}" type="slidenum">
               <a:rPr lang="zh-CN" altLang="en-US" smtClean="0"/>
               <a:t>‹#›</a:t>
             </a:fld>
@@ -1196,7 +1196,7 @@
     </p:spTree>
     <p:extLst>
       <p:ext uri="{BB962C8B-B14F-4D97-AF65-F5344CB8AC3E}">
-        <p14:creationId xmlns:p14="http://schemas.microsoft.com/office/powerpoint/2010/main" val="531687025"/>
+        <p14:creationId xmlns:p14="http://schemas.microsoft.com/office/powerpoint/2010/main" val="2957733838"/>
       </p:ext>
     </p:extLst>
   </p:cSld>
@@ -1228,7 +1228,7 @@
           <p:cNvPr id="2" name="标题 1">
             <a:extLst>
               <a:ext uri="{FF2B5EF4-FFF2-40B4-BE49-F238E27FC236}">
-                <a16:creationId xmlns:a16="http://schemas.microsoft.com/office/drawing/2014/main" id="{22EA389B-A9B6-E8D2-7C7D-2A3B89164B37}"/>
+                <a16:creationId xmlns:a16="http://schemas.microsoft.com/office/drawing/2014/main" id="{83064A02-08EE-C81B-0C3E-E360105B90BD}"/>
               </a:ext>
             </a:extLst>
           </p:cNvPr>
@@ -1256,7 +1256,7 @@
           <p:cNvPr id="3" name="内容占位符 2">
             <a:extLst>
               <a:ext uri="{FF2B5EF4-FFF2-40B4-BE49-F238E27FC236}">
-                <a16:creationId xmlns:a16="http://schemas.microsoft.com/office/drawing/2014/main" id="{277FCFC3-93D6-DA84-6424-357F67E14D75}"/>
+                <a16:creationId xmlns:a16="http://schemas.microsoft.com/office/drawing/2014/main" id="{17BE6D08-71EE-3676-C6FF-81F993B95557}"/>
               </a:ext>
             </a:extLst>
           </p:cNvPr>
@@ -1318,7 +1318,7 @@
           <p:cNvPr id="4" name="内容占位符 3">
             <a:extLst>
               <a:ext uri="{FF2B5EF4-FFF2-40B4-BE49-F238E27FC236}">
-                <a16:creationId xmlns:a16="http://schemas.microsoft.com/office/drawing/2014/main" id="{08E8AAA9-3D49-17CD-6916-16C259186BA1}"/>
+                <a16:creationId xmlns:a16="http://schemas.microsoft.com/office/drawing/2014/main" id="{1477E393-E655-D12F-908A-6B93B12846E1}"/>
               </a:ext>
             </a:extLst>
           </p:cNvPr>
@@ -1380,7 +1380,7 @@
           <p:cNvPr id="5" name="日期占位符 4">
             <a:extLst>
               <a:ext uri="{FF2B5EF4-FFF2-40B4-BE49-F238E27FC236}">
-                <a16:creationId xmlns:a16="http://schemas.microsoft.com/office/drawing/2014/main" id="{EA07AA4D-27DA-F035-E4C5-2A9D82217C42}"/>
+                <a16:creationId xmlns:a16="http://schemas.microsoft.com/office/drawing/2014/main" id="{054F4B11-7B88-6F49-3188-C45C90C6FD45}"/>
               </a:ext>
             </a:extLst>
           </p:cNvPr>
@@ -1396,7 +1396,7 @@
           <a:bodyPr/>
           <a:lstStyle/>
           <a:p>
-            <a:fld id="{356CADD4-34E9-430F-A995-6A6DB92BFC95}" type="datetimeFigureOut">
+            <a:fld id="{60F9390E-FCB4-42AC-8419-A04C98031D82}" type="datetimeFigureOut">
               <a:rPr lang="zh-CN" altLang="en-US" smtClean="0"/>
               <a:t>2024/3/10</a:t>
             </a:fld>
@@ -1409,7 +1409,7 @@
           <p:cNvPr id="6" name="页脚占位符 5">
             <a:extLst>
               <a:ext uri="{FF2B5EF4-FFF2-40B4-BE49-F238E27FC236}">
-                <a16:creationId xmlns:a16="http://schemas.microsoft.com/office/drawing/2014/main" id="{6AA0E31D-BADE-3409-6177-BC315B4E2376}"/>
+                <a16:creationId xmlns:a16="http://schemas.microsoft.com/office/drawing/2014/main" id="{6F0C35BF-DCB9-1865-AE38-4239F92D322C}"/>
               </a:ext>
             </a:extLst>
           </p:cNvPr>
@@ -1434,7 +1434,7 @@
           <p:cNvPr id="7" name="灯片编号占位符 6">
             <a:extLst>
               <a:ext uri="{FF2B5EF4-FFF2-40B4-BE49-F238E27FC236}">
-                <a16:creationId xmlns:a16="http://schemas.microsoft.com/office/drawing/2014/main" id="{B871AD49-9A64-1DF4-0116-F25283B4CC9E}"/>
+                <a16:creationId xmlns:a16="http://schemas.microsoft.com/office/drawing/2014/main" id="{A9D106CA-617A-AA96-7FA4-13FC51CAA3F1}"/>
               </a:ext>
             </a:extLst>
           </p:cNvPr>
@@ -1450,7 +1450,7 @@
           <a:bodyPr/>
           <a:lstStyle/>
           <a:p>
-            <a:fld id="{5484594A-D39F-41AD-B4B8-14CB10DCB5D3}" type="slidenum">
+            <a:fld id="{224BFAC7-F403-4C03-A7D3-FA1B28F868FC}" type="slidenum">
               <a:rPr lang="zh-CN" altLang="en-US" smtClean="0"/>
               <a:t>‹#›</a:t>
             </a:fld>
@@ -1461,7 +1461,7 @@
     </p:spTree>
     <p:extLst>
       <p:ext uri="{BB962C8B-B14F-4D97-AF65-F5344CB8AC3E}">
-        <p14:creationId xmlns:p14="http://schemas.microsoft.com/office/powerpoint/2010/main" val="1426211922"/>
+        <p14:creationId xmlns:p14="http://schemas.microsoft.com/office/powerpoint/2010/main" val="3246586494"/>
       </p:ext>
     </p:extLst>
   </p:cSld>
@@ -1493,7 +1493,7 @@
           <p:cNvPr id="2" name="标题 1">
             <a:extLst>
               <a:ext uri="{FF2B5EF4-FFF2-40B4-BE49-F238E27FC236}">
-                <a16:creationId xmlns:a16="http://schemas.microsoft.com/office/drawing/2014/main" id="{7C04E55D-D61A-2986-06A0-42DB81E8DE42}"/>
+                <a16:creationId xmlns:a16="http://schemas.microsoft.com/office/drawing/2014/main" id="{025B845E-C190-019D-742A-EA8E5245740D}"/>
               </a:ext>
             </a:extLst>
           </p:cNvPr>
@@ -1526,7 +1526,7 @@
           <p:cNvPr id="3" name="文本占位符 2">
             <a:extLst>
               <a:ext uri="{FF2B5EF4-FFF2-40B4-BE49-F238E27FC236}">
-                <a16:creationId xmlns:a16="http://schemas.microsoft.com/office/drawing/2014/main" id="{50F8F5FE-9C55-53B1-0668-1A2983915604}"/>
+                <a16:creationId xmlns:a16="http://schemas.microsoft.com/office/drawing/2014/main" id="{42EE625C-15AE-AE91-8349-C03641FB7F95}"/>
               </a:ext>
             </a:extLst>
           </p:cNvPr>
@@ -1597,7 +1597,7 @@
           <p:cNvPr id="4" name="内容占位符 3">
             <a:extLst>
               <a:ext uri="{FF2B5EF4-FFF2-40B4-BE49-F238E27FC236}">
-                <a16:creationId xmlns:a16="http://schemas.microsoft.com/office/drawing/2014/main" id="{597C4B28-2645-8F52-8DBB-E76E2ABBA684}"/>
+                <a16:creationId xmlns:a16="http://schemas.microsoft.com/office/drawing/2014/main" id="{79CE4B69-9839-75D3-9B2D-1278A4A3A199}"/>
               </a:ext>
             </a:extLst>
           </p:cNvPr>
@@ -1659,7 +1659,7 @@
           <p:cNvPr id="5" name="文本占位符 4">
             <a:extLst>
               <a:ext uri="{FF2B5EF4-FFF2-40B4-BE49-F238E27FC236}">
-                <a16:creationId xmlns:a16="http://schemas.microsoft.com/office/drawing/2014/main" id="{0FAA091E-DF77-72E2-96D3-71B537110098}"/>
+                <a16:creationId xmlns:a16="http://schemas.microsoft.com/office/drawing/2014/main" id="{6BB19433-CC99-873F-1DF7-9E7FB20912B4}"/>
               </a:ext>
             </a:extLst>
           </p:cNvPr>
@@ -1730,7 +1730,7 @@
           <p:cNvPr id="6" name="内容占位符 5">
             <a:extLst>
               <a:ext uri="{FF2B5EF4-FFF2-40B4-BE49-F238E27FC236}">
-                <a16:creationId xmlns:a16="http://schemas.microsoft.com/office/drawing/2014/main" id="{668213C6-EE83-E646-0C01-016FA7E71DD2}"/>
+                <a16:creationId xmlns:a16="http://schemas.microsoft.com/office/drawing/2014/main" id="{9781CC4B-2C6F-4B0C-52F2-1E389849DB69}"/>
               </a:ext>
             </a:extLst>
           </p:cNvPr>
@@ -1792,7 +1792,7 @@
           <p:cNvPr id="7" name="日期占位符 6">
             <a:extLst>
               <a:ext uri="{FF2B5EF4-FFF2-40B4-BE49-F238E27FC236}">
-                <a16:creationId xmlns:a16="http://schemas.microsoft.com/office/drawing/2014/main" id="{D463FF58-9EE4-E1FC-85E0-D7C20CCD061F}"/>
+                <a16:creationId xmlns:a16="http://schemas.microsoft.com/office/drawing/2014/main" id="{8CB420D0-263D-CC2A-C665-61E7AA1B5129}"/>
               </a:ext>
             </a:extLst>
           </p:cNvPr>
@@ -1808,7 +1808,7 @@
           <a:bodyPr/>
           <a:lstStyle/>
           <a:p>
-            <a:fld id="{356CADD4-34E9-430F-A995-6A6DB92BFC95}" type="datetimeFigureOut">
+            <a:fld id="{60F9390E-FCB4-42AC-8419-A04C98031D82}" type="datetimeFigureOut">
               <a:rPr lang="zh-CN" altLang="en-US" smtClean="0"/>
               <a:t>2024/3/10</a:t>
             </a:fld>
@@ -1821,7 +1821,7 @@
           <p:cNvPr id="8" name="页脚占位符 7">
             <a:extLst>
               <a:ext uri="{FF2B5EF4-FFF2-40B4-BE49-F238E27FC236}">
-                <a16:creationId xmlns:a16="http://schemas.microsoft.com/office/drawing/2014/main" id="{C80EE839-AF0D-2E02-8A0C-16B2E936064F}"/>
+                <a16:creationId xmlns:a16="http://schemas.microsoft.com/office/drawing/2014/main" id="{7FE0D062-13AC-2ECF-4945-EAC1AC6AA322}"/>
               </a:ext>
             </a:extLst>
           </p:cNvPr>
@@ -1846,7 +1846,7 @@
           <p:cNvPr id="9" name="灯片编号占位符 8">
             <a:extLst>
               <a:ext uri="{FF2B5EF4-FFF2-40B4-BE49-F238E27FC236}">
-                <a16:creationId xmlns:a16="http://schemas.microsoft.com/office/drawing/2014/main" id="{2C6C0D33-F07D-0765-7CB6-522FD99CC162}"/>
+                <a16:creationId xmlns:a16="http://schemas.microsoft.com/office/drawing/2014/main" id="{9D01DB81-D72D-C94A-6DE7-FC67AF02B777}"/>
               </a:ext>
             </a:extLst>
           </p:cNvPr>
@@ -1862,7 +1862,7 @@
           <a:bodyPr/>
           <a:lstStyle/>
           <a:p>
-            <a:fld id="{5484594A-D39F-41AD-B4B8-14CB10DCB5D3}" type="slidenum">
+            <a:fld id="{224BFAC7-F403-4C03-A7D3-FA1B28F868FC}" type="slidenum">
               <a:rPr lang="zh-CN" altLang="en-US" smtClean="0"/>
               <a:t>‹#›</a:t>
             </a:fld>
@@ -1873,7 +1873,7 @@
     </p:spTree>
     <p:extLst>
       <p:ext uri="{BB962C8B-B14F-4D97-AF65-F5344CB8AC3E}">
-        <p14:creationId xmlns:p14="http://schemas.microsoft.com/office/powerpoint/2010/main" val="1723154184"/>
+        <p14:creationId xmlns:p14="http://schemas.microsoft.com/office/powerpoint/2010/main" val="1075549647"/>
       </p:ext>
     </p:extLst>
   </p:cSld>
@@ -1905,7 +1905,7 @@
           <p:cNvPr id="2" name="标题 1">
             <a:extLst>
               <a:ext uri="{FF2B5EF4-FFF2-40B4-BE49-F238E27FC236}">
-                <a16:creationId xmlns:a16="http://schemas.microsoft.com/office/drawing/2014/main" id="{90ABEAA6-D497-3233-C0BB-628FF40A1005}"/>
+                <a16:creationId xmlns:a16="http://schemas.microsoft.com/office/drawing/2014/main" id="{DA236A50-FEC2-2A6D-507A-D66FD6D7CFC0}"/>
               </a:ext>
             </a:extLst>
           </p:cNvPr>
@@ -1933,7 +1933,7 @@
           <p:cNvPr id="3" name="日期占位符 2">
             <a:extLst>
               <a:ext uri="{FF2B5EF4-FFF2-40B4-BE49-F238E27FC236}">
-                <a16:creationId xmlns:a16="http://schemas.microsoft.com/office/drawing/2014/main" id="{E3824EE6-7F5C-FF51-08F6-BA69CA9DCB10}"/>
+                <a16:creationId xmlns:a16="http://schemas.microsoft.com/office/drawing/2014/main" id="{F5D238E0-6424-C35C-AEB7-A9A60BE88424}"/>
               </a:ext>
             </a:extLst>
           </p:cNvPr>
@@ -1949,7 +1949,7 @@
           <a:bodyPr/>
           <a:lstStyle/>
           <a:p>
-            <a:fld id="{356CADD4-34E9-430F-A995-6A6DB92BFC95}" type="datetimeFigureOut">
+            <a:fld id="{60F9390E-FCB4-42AC-8419-A04C98031D82}" type="datetimeFigureOut">
               <a:rPr lang="zh-CN" altLang="en-US" smtClean="0"/>
               <a:t>2024/3/10</a:t>
             </a:fld>
@@ -1962,7 +1962,7 @@
           <p:cNvPr id="4" name="页脚占位符 3">
             <a:extLst>
               <a:ext uri="{FF2B5EF4-FFF2-40B4-BE49-F238E27FC236}">
-                <a16:creationId xmlns:a16="http://schemas.microsoft.com/office/drawing/2014/main" id="{9A1FC6D1-EDF2-0B15-5D92-4FC4D805E8AE}"/>
+                <a16:creationId xmlns:a16="http://schemas.microsoft.com/office/drawing/2014/main" id="{8E0AEFA7-4057-F013-9DEC-30B799906757}"/>
               </a:ext>
             </a:extLst>
           </p:cNvPr>
@@ -1987,7 +1987,7 @@
           <p:cNvPr id="5" name="灯片编号占位符 4">
             <a:extLst>
               <a:ext uri="{FF2B5EF4-FFF2-40B4-BE49-F238E27FC236}">
-                <a16:creationId xmlns:a16="http://schemas.microsoft.com/office/drawing/2014/main" id="{A256E916-2B0D-A697-34CE-A9138AD0FAC8}"/>
+                <a16:creationId xmlns:a16="http://schemas.microsoft.com/office/drawing/2014/main" id="{F00C0960-2C68-973A-445E-2814A8092E1C}"/>
               </a:ext>
             </a:extLst>
           </p:cNvPr>
@@ -2003,7 +2003,7 @@
           <a:bodyPr/>
           <a:lstStyle/>
           <a:p>
-            <a:fld id="{5484594A-D39F-41AD-B4B8-14CB10DCB5D3}" type="slidenum">
+            <a:fld id="{224BFAC7-F403-4C03-A7D3-FA1B28F868FC}" type="slidenum">
               <a:rPr lang="zh-CN" altLang="en-US" smtClean="0"/>
               <a:t>‹#›</a:t>
             </a:fld>
@@ -2014,7 +2014,7 @@
     </p:spTree>
     <p:extLst>
       <p:ext uri="{BB962C8B-B14F-4D97-AF65-F5344CB8AC3E}">
-        <p14:creationId xmlns:p14="http://schemas.microsoft.com/office/powerpoint/2010/main" val="4273167850"/>
+        <p14:creationId xmlns:p14="http://schemas.microsoft.com/office/powerpoint/2010/main" val="2758574070"/>
       </p:ext>
     </p:extLst>
   </p:cSld>
@@ -2046,7 +2046,7 @@
           <p:cNvPr id="2" name="日期占位符 1">
             <a:extLst>
               <a:ext uri="{FF2B5EF4-FFF2-40B4-BE49-F238E27FC236}">
-                <a16:creationId xmlns:a16="http://schemas.microsoft.com/office/drawing/2014/main" id="{DBE8758C-E343-4614-9D88-6FA2CEEC905B}"/>
+                <a16:creationId xmlns:a16="http://schemas.microsoft.com/office/drawing/2014/main" id="{B6E5B8E7-36A6-536C-58D1-8824801FE326}"/>
               </a:ext>
             </a:extLst>
           </p:cNvPr>
@@ -2062,7 +2062,7 @@
           <a:bodyPr/>
           <a:lstStyle/>
           <a:p>
-            <a:fld id="{356CADD4-34E9-430F-A995-6A6DB92BFC95}" type="datetimeFigureOut">
+            <a:fld id="{60F9390E-FCB4-42AC-8419-A04C98031D82}" type="datetimeFigureOut">
               <a:rPr lang="zh-CN" altLang="en-US" smtClean="0"/>
               <a:t>2024/3/10</a:t>
             </a:fld>
@@ -2075,7 +2075,7 @@
           <p:cNvPr id="3" name="页脚占位符 2">
             <a:extLst>
               <a:ext uri="{FF2B5EF4-FFF2-40B4-BE49-F238E27FC236}">
-                <a16:creationId xmlns:a16="http://schemas.microsoft.com/office/drawing/2014/main" id="{528DE443-3D90-985E-D8C6-5719888956D6}"/>
+                <a16:creationId xmlns:a16="http://schemas.microsoft.com/office/drawing/2014/main" id="{3CBABF5D-1531-83D4-659E-36EDD28B2A86}"/>
               </a:ext>
             </a:extLst>
           </p:cNvPr>
@@ -2100,7 +2100,7 @@
           <p:cNvPr id="4" name="灯片编号占位符 3">
             <a:extLst>
               <a:ext uri="{FF2B5EF4-FFF2-40B4-BE49-F238E27FC236}">
-                <a16:creationId xmlns:a16="http://schemas.microsoft.com/office/drawing/2014/main" id="{0F8AE613-22B1-FB98-6749-4EBB8808B70C}"/>
+                <a16:creationId xmlns:a16="http://schemas.microsoft.com/office/drawing/2014/main" id="{FC81A1B6-187A-98E9-FD08-12F53F697644}"/>
               </a:ext>
             </a:extLst>
           </p:cNvPr>
@@ -2116,7 +2116,7 @@
           <a:bodyPr/>
           <a:lstStyle/>
           <a:p>
-            <a:fld id="{5484594A-D39F-41AD-B4B8-14CB10DCB5D3}" type="slidenum">
+            <a:fld id="{224BFAC7-F403-4C03-A7D3-FA1B28F868FC}" type="slidenum">
               <a:rPr lang="zh-CN" altLang="en-US" smtClean="0"/>
               <a:t>‹#›</a:t>
             </a:fld>
@@ -2127,7 +2127,7 @@
     </p:spTree>
     <p:extLst>
       <p:ext uri="{BB962C8B-B14F-4D97-AF65-F5344CB8AC3E}">
-        <p14:creationId xmlns:p14="http://schemas.microsoft.com/office/powerpoint/2010/main" val="3126235713"/>
+        <p14:creationId xmlns:p14="http://schemas.microsoft.com/office/powerpoint/2010/main" val="3009804464"/>
       </p:ext>
     </p:extLst>
   </p:cSld>
@@ -2159,7 +2159,7 @@
           <p:cNvPr id="2" name="标题 1">
             <a:extLst>
               <a:ext uri="{FF2B5EF4-FFF2-40B4-BE49-F238E27FC236}">
-                <a16:creationId xmlns:a16="http://schemas.microsoft.com/office/drawing/2014/main" id="{9B0B1476-F83B-2E49-0DAF-F35EA1339B89}"/>
+                <a16:creationId xmlns:a16="http://schemas.microsoft.com/office/drawing/2014/main" id="{2FD1B5F7-2C42-27E1-1424-3F6A2CA0F6AE}"/>
               </a:ext>
             </a:extLst>
           </p:cNvPr>
@@ -2196,7 +2196,7 @@
           <p:cNvPr id="3" name="内容占位符 2">
             <a:extLst>
               <a:ext uri="{FF2B5EF4-FFF2-40B4-BE49-F238E27FC236}">
-                <a16:creationId xmlns:a16="http://schemas.microsoft.com/office/drawing/2014/main" id="{59074A66-069C-B6EF-156A-48A3DE7F012F}"/>
+                <a16:creationId xmlns:a16="http://schemas.microsoft.com/office/drawing/2014/main" id="{B11C1319-AFA7-245B-1BBA-A60367538E72}"/>
               </a:ext>
             </a:extLst>
           </p:cNvPr>
@@ -2286,7 +2286,7 @@
           <p:cNvPr id="4" name="文本占位符 3">
             <a:extLst>
               <a:ext uri="{FF2B5EF4-FFF2-40B4-BE49-F238E27FC236}">
-                <a16:creationId xmlns:a16="http://schemas.microsoft.com/office/drawing/2014/main" id="{16A30BAF-EF51-C4B7-2CD7-837D7EFBBCF9}"/>
+                <a16:creationId xmlns:a16="http://schemas.microsoft.com/office/drawing/2014/main" id="{6453FFFC-F3A9-551C-151A-87F602744B84}"/>
               </a:ext>
             </a:extLst>
           </p:cNvPr>
@@ -2357,7 +2357,7 @@
           <p:cNvPr id="5" name="日期占位符 4">
             <a:extLst>
               <a:ext uri="{FF2B5EF4-FFF2-40B4-BE49-F238E27FC236}">
-                <a16:creationId xmlns:a16="http://schemas.microsoft.com/office/drawing/2014/main" id="{A0DDD142-9278-CFA3-2168-B29739A2DD63}"/>
+                <a16:creationId xmlns:a16="http://schemas.microsoft.com/office/drawing/2014/main" id="{7AE15FB9-01C7-2424-646B-FDAC32BD2C49}"/>
               </a:ext>
             </a:extLst>
           </p:cNvPr>
@@ -2373,7 +2373,7 @@
           <a:bodyPr/>
           <a:lstStyle/>
           <a:p>
-            <a:fld id="{356CADD4-34E9-430F-A995-6A6DB92BFC95}" type="datetimeFigureOut">
+            <a:fld id="{60F9390E-FCB4-42AC-8419-A04C98031D82}" type="datetimeFigureOut">
               <a:rPr lang="zh-CN" altLang="en-US" smtClean="0"/>
               <a:t>2024/3/10</a:t>
             </a:fld>
@@ -2386,7 +2386,7 @@
           <p:cNvPr id="6" name="页脚占位符 5">
             <a:extLst>
               <a:ext uri="{FF2B5EF4-FFF2-40B4-BE49-F238E27FC236}">
-                <a16:creationId xmlns:a16="http://schemas.microsoft.com/office/drawing/2014/main" id="{8E230281-233D-5DBB-1D95-E2A507C53511}"/>
+                <a16:creationId xmlns:a16="http://schemas.microsoft.com/office/drawing/2014/main" id="{F12E6DA0-F5A4-3CDD-3341-FA8B39F5BC5B}"/>
               </a:ext>
             </a:extLst>
           </p:cNvPr>
@@ -2411,7 +2411,7 @@
           <p:cNvPr id="7" name="灯片编号占位符 6">
             <a:extLst>
               <a:ext uri="{FF2B5EF4-FFF2-40B4-BE49-F238E27FC236}">
-                <a16:creationId xmlns:a16="http://schemas.microsoft.com/office/drawing/2014/main" id="{D02BCD51-F482-D052-995F-7706E3D24706}"/>
+                <a16:creationId xmlns:a16="http://schemas.microsoft.com/office/drawing/2014/main" id="{C7440DBB-25F1-70D5-84E5-DADA966875D6}"/>
               </a:ext>
             </a:extLst>
           </p:cNvPr>
@@ -2427,7 +2427,7 @@
           <a:bodyPr/>
           <a:lstStyle/>
           <a:p>
-            <a:fld id="{5484594A-D39F-41AD-B4B8-14CB10DCB5D3}" type="slidenum">
+            <a:fld id="{224BFAC7-F403-4C03-A7D3-FA1B28F868FC}" type="slidenum">
               <a:rPr lang="zh-CN" altLang="en-US" smtClean="0"/>
               <a:t>‹#›</a:t>
             </a:fld>
@@ -2438,7 +2438,7 @@
     </p:spTree>
     <p:extLst>
       <p:ext uri="{BB962C8B-B14F-4D97-AF65-F5344CB8AC3E}">
-        <p14:creationId xmlns:p14="http://schemas.microsoft.com/office/powerpoint/2010/main" val="475507789"/>
+        <p14:creationId xmlns:p14="http://schemas.microsoft.com/office/powerpoint/2010/main" val="2060998780"/>
       </p:ext>
     </p:extLst>
   </p:cSld>
@@ -2470,7 +2470,7 @@
           <p:cNvPr id="2" name="标题 1">
             <a:extLst>
               <a:ext uri="{FF2B5EF4-FFF2-40B4-BE49-F238E27FC236}">
-                <a16:creationId xmlns:a16="http://schemas.microsoft.com/office/drawing/2014/main" id="{C756D269-D212-EB87-7337-B44AB8EFDFA7}"/>
+                <a16:creationId xmlns:a16="http://schemas.microsoft.com/office/drawing/2014/main" id="{C7552277-F55E-F93B-6BBD-4E08BBADB30E}"/>
               </a:ext>
             </a:extLst>
           </p:cNvPr>
@@ -2507,7 +2507,7 @@
           <p:cNvPr id="3" name="图片占位符 2">
             <a:extLst>
               <a:ext uri="{FF2B5EF4-FFF2-40B4-BE49-F238E27FC236}">
-                <a16:creationId xmlns:a16="http://schemas.microsoft.com/office/drawing/2014/main" id="{EBBBA5D1-4523-AA17-3CA2-C2B1905615DD}"/>
+                <a16:creationId xmlns:a16="http://schemas.microsoft.com/office/drawing/2014/main" id="{7ABCE605-4081-0B21-5367-AE59A7FB4C13}"/>
               </a:ext>
             </a:extLst>
           </p:cNvPr>
@@ -2574,7 +2574,7 @@
           <p:cNvPr id="4" name="文本占位符 3">
             <a:extLst>
               <a:ext uri="{FF2B5EF4-FFF2-40B4-BE49-F238E27FC236}">
-                <a16:creationId xmlns:a16="http://schemas.microsoft.com/office/drawing/2014/main" id="{D06D595F-4AFB-3AEE-65C4-9E856331213D}"/>
+                <a16:creationId xmlns:a16="http://schemas.microsoft.com/office/drawing/2014/main" id="{92292828-BD04-5061-BA68-1055A0C08BC4}"/>
               </a:ext>
             </a:extLst>
           </p:cNvPr>
@@ -2645,7 +2645,7 @@
           <p:cNvPr id="5" name="日期占位符 4">
             <a:extLst>
               <a:ext uri="{FF2B5EF4-FFF2-40B4-BE49-F238E27FC236}">
-                <a16:creationId xmlns:a16="http://schemas.microsoft.com/office/drawing/2014/main" id="{5F95EEDC-D4CB-C223-0FFB-7E5A03CBE1BB}"/>
+                <a16:creationId xmlns:a16="http://schemas.microsoft.com/office/drawing/2014/main" id="{75C96C74-57C1-84B1-CA09-E7968A333F9A}"/>
               </a:ext>
             </a:extLst>
           </p:cNvPr>
@@ -2661,7 +2661,7 @@
           <a:bodyPr/>
           <a:lstStyle/>
           <a:p>
-            <a:fld id="{356CADD4-34E9-430F-A995-6A6DB92BFC95}" type="datetimeFigureOut">
+            <a:fld id="{60F9390E-FCB4-42AC-8419-A04C98031D82}" type="datetimeFigureOut">
               <a:rPr lang="zh-CN" altLang="en-US" smtClean="0"/>
               <a:t>2024/3/10</a:t>
             </a:fld>
@@ -2674,7 +2674,7 @@
           <p:cNvPr id="6" name="页脚占位符 5">
             <a:extLst>
               <a:ext uri="{FF2B5EF4-FFF2-40B4-BE49-F238E27FC236}">
-                <a16:creationId xmlns:a16="http://schemas.microsoft.com/office/drawing/2014/main" id="{14A9EE93-0CD8-3554-9902-6C5A569FB07C}"/>
+                <a16:creationId xmlns:a16="http://schemas.microsoft.com/office/drawing/2014/main" id="{FAEE1903-0FE4-B186-5DB1-4108229A2387}"/>
               </a:ext>
             </a:extLst>
           </p:cNvPr>
@@ -2699,7 +2699,7 @@
           <p:cNvPr id="7" name="灯片编号占位符 6">
             <a:extLst>
               <a:ext uri="{FF2B5EF4-FFF2-40B4-BE49-F238E27FC236}">
-                <a16:creationId xmlns:a16="http://schemas.microsoft.com/office/drawing/2014/main" id="{C7451297-A362-B488-CFE9-FF094799C69F}"/>
+                <a16:creationId xmlns:a16="http://schemas.microsoft.com/office/drawing/2014/main" id="{267CE0A4-1D6E-EEDB-F4E4-F771245859EC}"/>
               </a:ext>
             </a:extLst>
           </p:cNvPr>
@@ -2715,7 +2715,7 @@
           <a:bodyPr/>
           <a:lstStyle/>
           <a:p>
-            <a:fld id="{5484594A-D39F-41AD-B4B8-14CB10DCB5D3}" type="slidenum">
+            <a:fld id="{224BFAC7-F403-4C03-A7D3-FA1B28F868FC}" type="slidenum">
               <a:rPr lang="zh-CN" altLang="en-US" smtClean="0"/>
               <a:t>‹#›</a:t>
             </a:fld>
@@ -2726,7 +2726,7 @@
     </p:spTree>
     <p:extLst>
       <p:ext uri="{BB962C8B-B14F-4D97-AF65-F5344CB8AC3E}">
-        <p14:creationId xmlns:p14="http://schemas.microsoft.com/office/powerpoint/2010/main" val="1210395642"/>
+        <p14:creationId xmlns:p14="http://schemas.microsoft.com/office/powerpoint/2010/main" val="760385415"/>
       </p:ext>
     </p:extLst>
   </p:cSld>
@@ -2763,7 +2763,7 @@
           <p:cNvPr id="2" name="标题占位符 1">
             <a:extLst>
               <a:ext uri="{FF2B5EF4-FFF2-40B4-BE49-F238E27FC236}">
-                <a16:creationId xmlns:a16="http://schemas.microsoft.com/office/drawing/2014/main" id="{A039B077-EF6D-9C2A-1E86-4C962864C372}"/>
+                <a16:creationId xmlns:a16="http://schemas.microsoft.com/office/drawing/2014/main" id="{A8581DAE-488A-0A0B-DC11-EE86CA94B5C9}"/>
               </a:ext>
             </a:extLst>
           </p:cNvPr>
@@ -2801,7 +2801,7 @@
           <p:cNvPr id="3" name="文本占位符 2">
             <a:extLst>
               <a:ext uri="{FF2B5EF4-FFF2-40B4-BE49-F238E27FC236}">
-                <a16:creationId xmlns:a16="http://schemas.microsoft.com/office/drawing/2014/main" id="{B99B994A-D51A-0F1C-5215-133986EA82F4}"/>
+                <a16:creationId xmlns:a16="http://schemas.microsoft.com/office/drawing/2014/main" id="{7D3801AC-76F8-CF52-0235-DF3695FC6264}"/>
               </a:ext>
             </a:extLst>
           </p:cNvPr>
@@ -2868,7 +2868,7 @@
           <p:cNvPr id="4" name="日期占位符 3">
             <a:extLst>
               <a:ext uri="{FF2B5EF4-FFF2-40B4-BE49-F238E27FC236}">
-                <a16:creationId xmlns:a16="http://schemas.microsoft.com/office/drawing/2014/main" id="{1C770CD5-05BB-88C2-4806-2ADA03930734}"/>
+                <a16:creationId xmlns:a16="http://schemas.microsoft.com/office/drawing/2014/main" id="{B260036F-2E7D-B5B7-F29A-AE7A94BBA830}"/>
               </a:ext>
             </a:extLst>
           </p:cNvPr>
@@ -2902,7 +2902,7 @@
             </a:lvl1pPr>
           </a:lstStyle>
           <a:p>
-            <a:fld id="{356CADD4-34E9-430F-A995-6A6DB92BFC95}" type="datetimeFigureOut">
+            <a:fld id="{60F9390E-FCB4-42AC-8419-A04C98031D82}" type="datetimeFigureOut">
               <a:rPr lang="zh-CN" altLang="en-US" smtClean="0"/>
               <a:t>2024/3/10</a:t>
             </a:fld>
@@ -2915,7 +2915,7 @@
           <p:cNvPr id="5" name="页脚占位符 4">
             <a:extLst>
               <a:ext uri="{FF2B5EF4-FFF2-40B4-BE49-F238E27FC236}">
-                <a16:creationId xmlns:a16="http://schemas.microsoft.com/office/drawing/2014/main" id="{A0EFC3C8-4900-9F72-4210-DDAE293B9BBD}"/>
+                <a16:creationId xmlns:a16="http://schemas.microsoft.com/office/drawing/2014/main" id="{9683232D-C9CD-DBF0-6ECF-F8E3C78AE926}"/>
               </a:ext>
             </a:extLst>
           </p:cNvPr>
@@ -2958,7 +2958,7 @@
           <p:cNvPr id="6" name="灯片编号占位符 5">
             <a:extLst>
               <a:ext uri="{FF2B5EF4-FFF2-40B4-BE49-F238E27FC236}">
-                <a16:creationId xmlns:a16="http://schemas.microsoft.com/office/drawing/2014/main" id="{541BB09E-51C9-F4FD-41B2-D2D15A888388}"/>
+                <a16:creationId xmlns:a16="http://schemas.microsoft.com/office/drawing/2014/main" id="{1164F086-6FBB-36C9-2B83-B7CA4303733D}"/>
               </a:ext>
             </a:extLst>
           </p:cNvPr>
@@ -2992,7 +2992,7 @@
             </a:lvl1pPr>
           </a:lstStyle>
           <a:p>
-            <a:fld id="{5484594A-D39F-41AD-B4B8-14CB10DCB5D3}" type="slidenum">
+            <a:fld id="{224BFAC7-F403-4C03-A7D3-FA1B28F868FC}" type="slidenum">
               <a:rPr lang="zh-CN" altLang="en-US" smtClean="0"/>
               <a:t>‹#›</a:t>
             </a:fld>
@@ -3003,7 +3003,7 @@
     </p:spTree>
     <p:extLst>
       <p:ext uri="{BB962C8B-B14F-4D97-AF65-F5344CB8AC3E}">
-        <p14:creationId xmlns:p14="http://schemas.microsoft.com/office/powerpoint/2010/main" val="3764597730"/>
+        <p14:creationId xmlns:p14="http://schemas.microsoft.com/office/powerpoint/2010/main" val="787689593"/>
       </p:ext>
     </p:extLst>
   </p:cSld>
